--- a/Git [Autosaved].pptx
+++ b/Git [Autosaved].pptx
@@ -3918,7 +3918,7 @@
           <a:p>
             <a:r>
               <a:rPr lang="en-US" dirty="0"/>
-              <a:t>The A Team</a:t>
+              <a:t>The B Team</a:t>
             </a:r>
           </a:p>
         </p:txBody>

--- a/Git [Autosaved].pptx
+++ b/Git [Autosaved].pptx
@@ -3918,7 +3918,7 @@
           <a:p>
             <a:r>
               <a:rPr lang="en-US" dirty="0"/>
-              <a:t>The B Team</a:t>
+              <a:t>The A Team</a:t>
             </a:r>
           </a:p>
         </p:txBody>

--- a/Git [Autosaved].pptx
+++ b/Git [Autosaved].pptx
@@ -25,11 +25,11 @@
     <p:sldId id="271" r:id="rId16"/>
     <p:sldId id="270" r:id="rId17"/>
     <p:sldId id="272" r:id="rId18"/>
-    <p:sldId id="275" r:id="rId19"/>
+    <p:sldId id="273" r:id="rId19"/>
     <p:sldId id="274" r:id="rId20"/>
     <p:sldId id="276" r:id="rId21"/>
     <p:sldId id="277" r:id="rId22"/>
-    <p:sldId id="273" r:id="rId23"/>
+    <p:sldId id="278" r:id="rId23"/>
   </p:sldIdLst>
   <p:sldSz cx="12192000" cy="6858000"/>
   <p:notesSz cx="6858000" cy="9144000"/>
@@ -5009,7 +5009,7 @@
           <p:cNvPr id="2" name="Title 1">
             <a:extLst>
               <a:ext uri="{FF2B5EF4-FFF2-40B4-BE49-F238E27FC236}">
-                <a16:creationId xmlns:a16="http://schemas.microsoft.com/office/drawing/2014/main" id="{0B79449B-07CE-4D41-B0D2-C516E4527497}"/>
+                <a16:creationId xmlns:a16="http://schemas.microsoft.com/office/drawing/2014/main" id="{D5CCCEAE-AA15-4A82-9467-B6E011480A8A}"/>
               </a:ext>
             </a:extLst>
           </p:cNvPr>
@@ -5027,7 +5027,7 @@
           <a:p>
             <a:r>
               <a:rPr lang="en-US" dirty="0"/>
-              <a:t>Tracking Branches</a:t>
+              <a:t>Pushing Branches</a:t>
             </a:r>
           </a:p>
         </p:txBody>
@@ -5037,7 +5037,7 @@
           <p:cNvPr id="3" name="Content Placeholder 2">
             <a:extLst>
               <a:ext uri="{FF2B5EF4-FFF2-40B4-BE49-F238E27FC236}">
-                <a16:creationId xmlns:a16="http://schemas.microsoft.com/office/drawing/2014/main" id="{CE533FFF-1A34-4845-BC49-0E5324B1FA89}"/>
+                <a16:creationId xmlns:a16="http://schemas.microsoft.com/office/drawing/2014/main" id="{8888002E-8D0E-4B1C-B0C7-E9541D406037}"/>
               </a:ext>
             </a:extLst>
           </p:cNvPr>
@@ -5053,14 +5053,90 @@
           <a:bodyPr/>
           <a:lstStyle/>
           <a:p>
-            <a:endParaRPr lang="en-US"/>
+            <a:r>
+              <a:rPr lang="en-US" dirty="0"/>
+              <a:t>Adding new commits to the remote repository requires the push command.</a:t>
+            </a:r>
+          </a:p>
+          <a:p>
+            <a:pPr lvl="1"/>
+            <a:r>
+              <a:rPr lang="en-US" dirty="0"/>
+              <a:t>git push &lt;</a:t>
+            </a:r>
+            <a:r>
+              <a:rPr lang="en-US" dirty="0" err="1"/>
+              <a:t>remote_name</a:t>
+            </a:r>
+            <a:r>
+              <a:rPr lang="en-US" dirty="0"/>
+              <a:t>&gt; &lt;</a:t>
+            </a:r>
+            <a:r>
+              <a:rPr lang="en-US" dirty="0" err="1"/>
+              <a:t>local_branch</a:t>
+            </a:r>
+            <a:r>
+              <a:rPr lang="en-US" dirty="0"/>
+              <a:t>&gt;:&lt;</a:t>
+            </a:r>
+            <a:r>
+              <a:rPr lang="en-US" dirty="0" err="1"/>
+              <a:t>remote_branch</a:t>
+            </a:r>
+            <a:r>
+              <a:rPr lang="en-US" dirty="0"/>
+              <a:t>&gt;</a:t>
+            </a:r>
+          </a:p>
+          <a:p>
+            <a:pPr lvl="1"/>
+            <a:r>
+              <a:rPr lang="en-US" dirty="0"/>
+              <a:t>If branch names are the same, :&lt;</a:t>
+            </a:r>
+            <a:r>
+              <a:rPr lang="en-US" dirty="0" err="1"/>
+              <a:t>remote_branch</a:t>
+            </a:r>
+            <a:r>
+              <a:rPr lang="en-US" dirty="0"/>
+              <a:t>&gt; is not needed</a:t>
+            </a:r>
+          </a:p>
+          <a:p>
+            <a:pPr lvl="1"/>
+            <a:endParaRPr lang="en-US" dirty="0"/>
+          </a:p>
+          <a:p>
+            <a:r>
+              <a:rPr lang="en-US" dirty="0"/>
+              <a:t>Pushing to a remote branch is only allowed when your branch is ahead of the remote branch.</a:t>
+            </a:r>
+          </a:p>
+          <a:p>
+            <a:pPr lvl="1"/>
+            <a:r>
+              <a:rPr lang="en-US" dirty="0"/>
+              <a:t>If remote branch is ahead, add remote branches commits to local branch first.</a:t>
+            </a:r>
+          </a:p>
+          <a:p>
+            <a:pPr lvl="1"/>
+            <a:endParaRPr lang="en-US" dirty="0"/>
+          </a:p>
+          <a:p>
+            <a:pPr marL="0" indent="0">
+              <a:buNone/>
+            </a:pPr>
+            <a:endParaRPr lang="en-US" dirty="0"/>
           </a:p>
         </p:txBody>
       </p:sp>
     </p:spTree>
     <p:extLst>
       <p:ext uri="{BB962C8B-B14F-4D97-AF65-F5344CB8AC3E}">
-        <p14:creationId xmlns:p14="http://schemas.microsoft.com/office/powerpoint/2010/main" val="102789233"/>
+        <p14:creationId xmlns:p14="http://schemas.microsoft.com/office/powerpoint/2010/main" val="4037131626"/>
       </p:ext>
     </p:extLst>
   </p:cSld>
@@ -5583,6 +5659,30 @@
               <a:t>A tracking branch is connected to a remote branch. When using a tracking branch, the remote branch does not need to be specified for remote commands.</a:t>
             </a:r>
           </a:p>
+          <a:p>
+            <a:endParaRPr lang="en-US" dirty="0"/>
+          </a:p>
+          <a:p>
+            <a:r>
+              <a:rPr lang="en-US" dirty="0"/>
+              <a:t>If a branch is not created as a tracking branch, you can use an option when pushing to make it a tracking branch.</a:t>
+            </a:r>
+          </a:p>
+          <a:p>
+            <a:pPr lvl="1"/>
+            <a:r>
+              <a:rPr lang="en-US" dirty="0"/>
+              <a:t>git push --set-upstream &lt;remote&gt; &lt;</a:t>
+            </a:r>
+            <a:r>
+              <a:rPr lang="en-US" dirty="0" err="1"/>
+              <a:t>remote_branch</a:t>
+            </a:r>
+            <a:r>
+              <a:rPr lang="en-US" dirty="0"/>
+              <a:t>&gt;</a:t>
+            </a:r>
+          </a:p>
         </p:txBody>
       </p:sp>
     </p:spTree>
@@ -5620,7 +5720,7 @@
           <p:cNvPr id="2" name="Title 1">
             <a:extLst>
               <a:ext uri="{FF2B5EF4-FFF2-40B4-BE49-F238E27FC236}">
-                <a16:creationId xmlns:a16="http://schemas.microsoft.com/office/drawing/2014/main" id="{D5CCCEAE-AA15-4A82-9467-B6E011480A8A}"/>
+                <a16:creationId xmlns:a16="http://schemas.microsoft.com/office/drawing/2014/main" id="{D89EA35C-B626-4F9C-AFC3-BEB32E82645F}"/>
               </a:ext>
             </a:extLst>
           </p:cNvPr>
@@ -5638,7 +5738,7 @@
           <a:p>
             <a:r>
               <a:rPr lang="en-US" dirty="0"/>
-              <a:t>Pushing Branches</a:t>
+              <a:t>Git Pull</a:t>
             </a:r>
           </a:p>
         </p:txBody>
@@ -5648,7 +5748,7 @@
           <p:cNvPr id="3" name="Content Placeholder 2">
             <a:extLst>
               <a:ext uri="{FF2B5EF4-FFF2-40B4-BE49-F238E27FC236}">
-                <a16:creationId xmlns:a16="http://schemas.microsoft.com/office/drawing/2014/main" id="{8888002E-8D0E-4B1C-B0C7-E9541D406037}"/>
+                <a16:creationId xmlns:a16="http://schemas.microsoft.com/office/drawing/2014/main" id="{840C4F2F-2497-42E7-85E0-C6E9573430D2}"/>
               </a:ext>
             </a:extLst>
           </p:cNvPr>
@@ -5666,30 +5766,14 @@
           <a:p>
             <a:r>
               <a:rPr lang="en-US" dirty="0"/>
-              <a:t>Adding new commits to the remote repository requires the push command.</a:t>
-            </a:r>
-          </a:p>
-          <a:p>
-            <a:pPr lvl="1"/>
-            <a:r>
-              <a:rPr lang="en-US" dirty="0"/>
-              <a:t>git push &lt;</a:t>
-            </a:r>
-            <a:r>
-              <a:rPr lang="en-US" dirty="0" err="1"/>
-              <a:t>remote_name</a:t>
-            </a:r>
-            <a:r>
-              <a:rPr lang="en-US" dirty="0"/>
-              <a:t>&gt; &lt;</a:t>
-            </a:r>
-            <a:r>
-              <a:rPr lang="en-US" dirty="0" err="1"/>
-              <a:t>local_branch</a:t>
-            </a:r>
-            <a:r>
-              <a:rPr lang="en-US" dirty="0"/>
-              <a:t>&gt;:&lt;</a:t>
+              <a:t>Git pull is a shortcut to update the current branch. Pull performs both a fetch of the remote repository and a merge to the current branch.</a:t>
+            </a:r>
+          </a:p>
+          <a:p>
+            <a:pPr lvl="1"/>
+            <a:r>
+              <a:rPr lang="en-US" dirty="0"/>
+              <a:t>git pull &lt;remote&gt; &lt;</a:t>
             </a:r>
             <a:r>
               <a:rPr lang="en-US" dirty="0" err="1"/>
@@ -5702,27 +5786,17 @@
           </a:p>
           <a:p>
             <a:pPr lvl="1"/>
-            <a:r>
-              <a:rPr lang="en-US" dirty="0"/>
-              <a:t>If branch names are the same, :&lt;</a:t>
-            </a:r>
-            <a:r>
-              <a:rPr lang="en-US" dirty="0" err="1"/>
-              <a:t>remote_branch</a:t>
-            </a:r>
-            <a:r>
-              <a:rPr lang="en-US" dirty="0"/>
-              <a:t>&gt; is not needed</a:t>
-            </a:r>
-          </a:p>
-          <a:p>
-            <a:pPr lvl="1"/>
             <a:endParaRPr lang="en-US" dirty="0"/>
           </a:p>
           <a:p>
-            <a:pPr marL="0" indent="0">
-              <a:buNone/>
-            </a:pPr>
+            <a:r>
+              <a:rPr lang="en-US" dirty="0"/>
+              <a:t>If the current branch is tracking the remote branch, the command is simply “</a:t>
+            </a:r>
+            <a:r>
+              <a:rPr lang="en-US"/>
+              <a:t>git pull”.</a:t>
+            </a:r>
             <a:endParaRPr lang="en-US" dirty="0"/>
           </a:p>
         </p:txBody>
@@ -5730,7 +5804,7 @@
     </p:spTree>
     <p:extLst>
       <p:ext uri="{BB962C8B-B14F-4D97-AF65-F5344CB8AC3E}">
-        <p14:creationId xmlns:p14="http://schemas.microsoft.com/office/powerpoint/2010/main" val="4037131626"/>
+        <p14:creationId xmlns:p14="http://schemas.microsoft.com/office/powerpoint/2010/main" val="1635336077"/>
       </p:ext>
     </p:extLst>
   </p:cSld>

--- a/Git [Autosaved].pptx
+++ b/Git [Autosaved].pptx
@@ -25,10 +25,10 @@
     <p:sldId id="271" r:id="rId16"/>
     <p:sldId id="270" r:id="rId17"/>
     <p:sldId id="272" r:id="rId18"/>
-    <p:sldId id="273" r:id="rId19"/>
-    <p:sldId id="274" r:id="rId20"/>
-    <p:sldId id="276" r:id="rId21"/>
-    <p:sldId id="277" r:id="rId22"/>
+    <p:sldId id="274" r:id="rId19"/>
+    <p:sldId id="276" r:id="rId20"/>
+    <p:sldId id="277" r:id="rId21"/>
+    <p:sldId id="273" r:id="rId22"/>
     <p:sldId id="278" r:id="rId23"/>
   </p:sldIdLst>
   <p:sldSz cx="12192000" cy="6858000"/>
@@ -218,7 +218,7 @@
           <a:p>
             <a:fld id="{F00E96CF-5E5F-4545-AE1A-32C9A7455CC5}" type="datetimeFigureOut">
               <a:rPr lang="en-US" smtClean="0"/>
-              <a:t>1/21/2019</a:t>
+              <a:t>1/22/2019</a:t>
             </a:fld>
             <a:endParaRPr lang="en-US"/>
           </a:p>
@@ -800,7 +800,7 @@
           <a:p>
             <a:fld id="{3D33439A-7259-49D7-8C7D-37CDE9E6969A}" type="datetimeFigureOut">
               <a:rPr lang="en-US" smtClean="0"/>
-              <a:t>1/21/2019</a:t>
+              <a:t>1/22/2019</a:t>
             </a:fld>
             <a:endParaRPr lang="en-US"/>
           </a:p>
@@ -998,7 +998,7 @@
           <a:p>
             <a:fld id="{3D33439A-7259-49D7-8C7D-37CDE9E6969A}" type="datetimeFigureOut">
               <a:rPr lang="en-US" smtClean="0"/>
-              <a:t>1/21/2019</a:t>
+              <a:t>1/22/2019</a:t>
             </a:fld>
             <a:endParaRPr lang="en-US"/>
           </a:p>
@@ -1206,7 +1206,7 @@
           <a:p>
             <a:fld id="{3D33439A-7259-49D7-8C7D-37CDE9E6969A}" type="datetimeFigureOut">
               <a:rPr lang="en-US" smtClean="0"/>
-              <a:t>1/21/2019</a:t>
+              <a:t>1/22/2019</a:t>
             </a:fld>
             <a:endParaRPr lang="en-US"/>
           </a:p>
@@ -1404,7 +1404,7 @@
           <a:p>
             <a:fld id="{3D33439A-7259-49D7-8C7D-37CDE9E6969A}" type="datetimeFigureOut">
               <a:rPr lang="en-US" smtClean="0"/>
-              <a:t>1/21/2019</a:t>
+              <a:t>1/22/2019</a:t>
             </a:fld>
             <a:endParaRPr lang="en-US"/>
           </a:p>
@@ -1679,7 +1679,7 @@
           <a:p>
             <a:fld id="{3D33439A-7259-49D7-8C7D-37CDE9E6969A}" type="datetimeFigureOut">
               <a:rPr lang="en-US" smtClean="0"/>
-              <a:t>1/21/2019</a:t>
+              <a:t>1/22/2019</a:t>
             </a:fld>
             <a:endParaRPr lang="en-US"/>
           </a:p>
@@ -1944,7 +1944,7 @@
           <a:p>
             <a:fld id="{3D33439A-7259-49D7-8C7D-37CDE9E6969A}" type="datetimeFigureOut">
               <a:rPr lang="en-US" smtClean="0"/>
-              <a:t>1/21/2019</a:t>
+              <a:t>1/22/2019</a:t>
             </a:fld>
             <a:endParaRPr lang="en-US"/>
           </a:p>
@@ -2356,7 +2356,7 @@
           <a:p>
             <a:fld id="{3D33439A-7259-49D7-8C7D-37CDE9E6969A}" type="datetimeFigureOut">
               <a:rPr lang="en-US" smtClean="0"/>
-              <a:t>1/21/2019</a:t>
+              <a:t>1/22/2019</a:t>
             </a:fld>
             <a:endParaRPr lang="en-US"/>
           </a:p>
@@ -2497,7 +2497,7 @@
           <a:p>
             <a:fld id="{3D33439A-7259-49D7-8C7D-37CDE9E6969A}" type="datetimeFigureOut">
               <a:rPr lang="en-US" smtClean="0"/>
-              <a:t>1/21/2019</a:t>
+              <a:t>1/22/2019</a:t>
             </a:fld>
             <a:endParaRPr lang="en-US"/>
           </a:p>
@@ -2610,7 +2610,7 @@
           <a:p>
             <a:fld id="{3D33439A-7259-49D7-8C7D-37CDE9E6969A}" type="datetimeFigureOut">
               <a:rPr lang="en-US" smtClean="0"/>
-              <a:t>1/21/2019</a:t>
+              <a:t>1/22/2019</a:t>
             </a:fld>
             <a:endParaRPr lang="en-US"/>
           </a:p>
@@ -2921,7 +2921,7 @@
           <a:p>
             <a:fld id="{3D33439A-7259-49D7-8C7D-37CDE9E6969A}" type="datetimeFigureOut">
               <a:rPr lang="en-US" smtClean="0"/>
-              <a:t>1/21/2019</a:t>
+              <a:t>1/22/2019</a:t>
             </a:fld>
             <a:endParaRPr lang="en-US"/>
           </a:p>
@@ -3209,7 +3209,7 @@
           <a:p>
             <a:fld id="{3D33439A-7259-49D7-8C7D-37CDE9E6969A}" type="datetimeFigureOut">
               <a:rPr lang="en-US" smtClean="0"/>
-              <a:t>1/21/2019</a:t>
+              <a:t>1/22/2019</a:t>
             </a:fld>
             <a:endParaRPr lang="en-US"/>
           </a:p>
@@ -3450,7 +3450,7 @@
           <a:p>
             <a:fld id="{3D33439A-7259-49D7-8C7D-37CDE9E6969A}" type="datetimeFigureOut">
               <a:rPr lang="en-US" smtClean="0"/>
-              <a:t>1/21/2019</a:t>
+              <a:t>1/22/2019</a:t>
             </a:fld>
             <a:endParaRPr lang="en-US"/>
           </a:p>
@@ -5009,7 +5009,7 @@
           <p:cNvPr id="2" name="Title 1">
             <a:extLst>
               <a:ext uri="{FF2B5EF4-FFF2-40B4-BE49-F238E27FC236}">
-                <a16:creationId xmlns:a16="http://schemas.microsoft.com/office/drawing/2014/main" id="{D5CCCEAE-AA15-4A82-9467-B6E011480A8A}"/>
+                <a16:creationId xmlns:a16="http://schemas.microsoft.com/office/drawing/2014/main" id="{F4812184-508D-4F79-8A35-93F3FC1BF718}"/>
               </a:ext>
             </a:extLst>
           </p:cNvPr>
@@ -5027,7 +5027,7 @@
           <a:p>
             <a:r>
               <a:rPr lang="en-US" dirty="0"/>
-              <a:t>Pushing Branches</a:t>
+              <a:t>Fetching Remote Repositories</a:t>
             </a:r>
           </a:p>
         </p:txBody>
@@ -5037,7 +5037,7 @@
           <p:cNvPr id="3" name="Content Placeholder 2">
             <a:extLst>
               <a:ext uri="{FF2B5EF4-FFF2-40B4-BE49-F238E27FC236}">
-                <a16:creationId xmlns:a16="http://schemas.microsoft.com/office/drawing/2014/main" id="{8888002E-8D0E-4B1C-B0C7-E9541D406037}"/>
+                <a16:creationId xmlns:a16="http://schemas.microsoft.com/office/drawing/2014/main" id="{531F3493-BDD3-456A-9B53-7E1781337EFC}"/>
               </a:ext>
             </a:extLst>
           </p:cNvPr>
@@ -5055,14 +5055,50 @@
           <a:p>
             <a:r>
               <a:rPr lang="en-US" dirty="0"/>
-              <a:t>Adding new commits to the remote repository requires the push command.</a:t>
-            </a:r>
-          </a:p>
-          <a:p>
-            <a:pPr lvl="1"/>
-            <a:r>
-              <a:rPr lang="en-US" dirty="0"/>
-              <a:t>git push &lt;</a:t>
+              <a:t>To get the commit history for a remote repository, the fetch command is used.</a:t>
+            </a:r>
+          </a:p>
+          <a:p>
+            <a:pPr lvl="1"/>
+            <a:r>
+              <a:rPr lang="en-US" dirty="0"/>
+              <a:t>git fetch &lt;</a:t>
+            </a:r>
+            <a:r>
+              <a:rPr lang="en-US" i="1" dirty="0" err="1"/>
+              <a:t>remote_name</a:t>
+            </a:r>
+            <a:r>
+              <a:rPr lang="en-US" i="1" dirty="0"/>
+              <a:t>&gt;</a:t>
+            </a:r>
+            <a:r>
+              <a:rPr lang="en-US" dirty="0"/>
+              <a:t> </a:t>
+            </a:r>
+          </a:p>
+          <a:p>
+            <a:pPr lvl="1"/>
+            <a:endParaRPr lang="en-US" dirty="0"/>
+          </a:p>
+          <a:p>
+            <a:r>
+              <a:rPr lang="en-US" dirty="0"/>
+              <a:t>Fetching creates remote branches in your local repository for all branches in the remote repository.</a:t>
+            </a:r>
+          </a:p>
+          <a:p>
+            <a:pPr lvl="1"/>
+            <a:r>
+              <a:rPr lang="en-US" dirty="0"/>
+              <a:t>To fetch immediately after adding remote repository: </a:t>
+            </a:r>
+          </a:p>
+          <a:p>
+            <a:pPr lvl="2"/>
+            <a:r>
+              <a:rPr lang="en-US" dirty="0"/>
+              <a:t>git remote add –f &lt;</a:t>
             </a:r>
             <a:r>
               <a:rPr lang="en-US" dirty="0" err="1"/>
@@ -5074,69 +5110,19 @@
             </a:r>
             <a:r>
               <a:rPr lang="en-US" dirty="0" err="1"/>
-              <a:t>local_branch</a:t>
-            </a:r>
-            <a:r>
-              <a:rPr lang="en-US" dirty="0"/>
-              <a:t>&gt;:&lt;</a:t>
-            </a:r>
-            <a:r>
-              <a:rPr lang="en-US" dirty="0" err="1"/>
-              <a:t>remote_branch</a:t>
+              <a:t>url</a:t>
             </a:r>
             <a:r>
               <a:rPr lang="en-US" dirty="0"/>
               <a:t>&gt;</a:t>
             </a:r>
-          </a:p>
-          <a:p>
-            <a:pPr lvl="1"/>
-            <a:r>
-              <a:rPr lang="en-US" dirty="0"/>
-              <a:t>If branch names are the same, :&lt;</a:t>
-            </a:r>
-            <a:r>
-              <a:rPr lang="en-US" dirty="0" err="1"/>
-              <a:t>remote_branch</a:t>
-            </a:r>
-            <a:r>
-              <a:rPr lang="en-US" dirty="0"/>
-              <a:t>&gt; is not needed</a:t>
-            </a:r>
-          </a:p>
-          <a:p>
-            <a:pPr lvl="1"/>
-            <a:endParaRPr lang="en-US" dirty="0"/>
-          </a:p>
-          <a:p>
-            <a:r>
-              <a:rPr lang="en-US" dirty="0"/>
-              <a:t>Pushing to a remote branch is only allowed when your branch is ahead of the remote branch.</a:t>
-            </a:r>
-          </a:p>
-          <a:p>
-            <a:pPr lvl="1"/>
-            <a:r>
-              <a:rPr lang="en-US" dirty="0"/>
-              <a:t>If remote branch is ahead, add remote branches commits to local branch first.</a:t>
-            </a:r>
-          </a:p>
-          <a:p>
-            <a:pPr lvl="1"/>
-            <a:endParaRPr lang="en-US" dirty="0"/>
-          </a:p>
-          <a:p>
-            <a:pPr marL="0" indent="0">
-              <a:buNone/>
-            </a:pPr>
-            <a:endParaRPr lang="en-US" dirty="0"/>
           </a:p>
         </p:txBody>
       </p:sp>
     </p:spTree>
     <p:extLst>
       <p:ext uri="{BB962C8B-B14F-4D97-AF65-F5344CB8AC3E}">
-        <p14:creationId xmlns:p14="http://schemas.microsoft.com/office/powerpoint/2010/main" val="4037131626"/>
+        <p14:creationId xmlns:p14="http://schemas.microsoft.com/office/powerpoint/2010/main" val="149172104"/>
       </p:ext>
     </p:extLst>
   </p:cSld>
@@ -5168,7 +5154,7 @@
           <p:cNvPr id="2" name="Title 1">
             <a:extLst>
               <a:ext uri="{FF2B5EF4-FFF2-40B4-BE49-F238E27FC236}">
-                <a16:creationId xmlns:a16="http://schemas.microsoft.com/office/drawing/2014/main" id="{F4812184-508D-4F79-8A35-93F3FC1BF718}"/>
+                <a16:creationId xmlns:a16="http://schemas.microsoft.com/office/drawing/2014/main" id="{D235AA31-1C0C-4484-A92B-8FD77E481FEA}"/>
               </a:ext>
             </a:extLst>
           </p:cNvPr>
@@ -5186,7 +5172,7 @@
           <a:p>
             <a:r>
               <a:rPr lang="en-US" dirty="0"/>
-              <a:t>Fetching Remote Repositories</a:t>
+              <a:t>Merging Remote Branches</a:t>
             </a:r>
           </a:p>
         </p:txBody>
@@ -5196,7 +5182,7 @@
           <p:cNvPr id="3" name="Content Placeholder 2">
             <a:extLst>
               <a:ext uri="{FF2B5EF4-FFF2-40B4-BE49-F238E27FC236}">
-                <a16:creationId xmlns:a16="http://schemas.microsoft.com/office/drawing/2014/main" id="{531F3493-BDD3-456A-9B53-7E1781337EFC}"/>
+                <a16:creationId xmlns:a16="http://schemas.microsoft.com/office/drawing/2014/main" id="{4F016865-AA48-4D2D-BB54-5494C83D7C28}"/>
               </a:ext>
             </a:extLst>
           </p:cNvPr>
@@ -5214,66 +5200,77 @@
           <a:p>
             <a:r>
               <a:rPr lang="en-US" dirty="0"/>
-              <a:t>To update your remote branches with the most recent commits from their repository, the fetch command is used.</a:t>
-            </a:r>
-          </a:p>
-          <a:p>
-            <a:pPr lvl="1"/>
-            <a:r>
-              <a:rPr lang="en-US" dirty="0"/>
-              <a:t>git fetch &lt;</a:t>
-            </a:r>
-            <a:r>
-              <a:rPr lang="en-US" i="1" dirty="0" err="1"/>
-              <a:t>remote_name</a:t>
-            </a:r>
-            <a:r>
-              <a:rPr lang="en-US" i="1" dirty="0"/>
+              <a:t>The commits on remote branches need to be moved to local branches before you can work with them easily on git.</a:t>
+            </a:r>
+          </a:p>
+          <a:p>
+            <a:pPr lvl="1"/>
+            <a:r>
+              <a:rPr lang="en-US" dirty="0"/>
+              <a:t>Create a local branch with the same commit history as the remote branch</a:t>
+            </a:r>
+          </a:p>
+          <a:p>
+            <a:pPr lvl="2"/>
+            <a:r>
+              <a:rPr lang="en-US" dirty="0"/>
+              <a:t>git checkout –b &lt;</a:t>
+            </a:r>
+            <a:r>
+              <a:rPr lang="en-US" dirty="0" err="1"/>
+              <a:t>local_branch</a:t>
+            </a:r>
+            <a:r>
+              <a:rPr lang="en-US" dirty="0"/>
+              <a:t>&gt; &lt;remote&gt;/&lt;</a:t>
+            </a:r>
+            <a:r>
+              <a:rPr lang="en-US" dirty="0" err="1"/>
+              <a:t>remote_branch</a:t>
+            </a:r>
+            <a:r>
+              <a:rPr lang="en-US" dirty="0"/>
               <a:t>&gt;</a:t>
             </a:r>
-            <a:r>
-              <a:rPr lang="en-US" dirty="0"/>
-              <a:t> </a:t>
-            </a:r>
-          </a:p>
-          <a:p>
-            <a:pPr lvl="1"/>
+          </a:p>
+          <a:p>
+            <a:pPr lvl="1"/>
+            <a:r>
+              <a:rPr lang="en-US" dirty="0"/>
+              <a:t>If there is already a local branch with common history, you can just merge the branches.</a:t>
+            </a:r>
+          </a:p>
+          <a:p>
+            <a:pPr lvl="2"/>
+            <a:r>
+              <a:rPr lang="en-US" dirty="0"/>
+              <a:t>git checkout &lt;</a:t>
+            </a:r>
+            <a:r>
+              <a:rPr lang="en-US" dirty="0" err="1"/>
+              <a:t>local_branch</a:t>
+            </a:r>
+            <a:r>
+              <a:rPr lang="en-US" dirty="0"/>
+              <a:t>&gt;; git merge &lt;remote&gt;/&lt;</a:t>
+            </a:r>
+            <a:r>
+              <a:rPr lang="en-US" dirty="0" err="1"/>
+              <a:t>remote_branch</a:t>
+            </a:r>
+            <a:r>
+              <a:rPr lang="en-US" dirty="0"/>
+              <a:t>&gt;;</a:t>
+            </a:r>
+          </a:p>
+          <a:p>
+            <a:pPr lvl="2"/>
             <a:endParaRPr lang="en-US" dirty="0"/>
           </a:p>
           <a:p>
             <a:r>
               <a:rPr lang="en-US" dirty="0"/>
-              <a:t>Fetching creates remote branches in your local repository for all branches in the remote repository.</a:t>
-            </a:r>
-          </a:p>
-          <a:p>
-            <a:pPr lvl="1"/>
-            <a:r>
-              <a:rPr lang="en-US" dirty="0"/>
-              <a:t>To fetch immediately after adding remote repository: </a:t>
-            </a:r>
-          </a:p>
-          <a:p>
-            <a:pPr lvl="2"/>
-            <a:r>
-              <a:rPr lang="en-US" dirty="0"/>
-              <a:t>git remote add –f &lt;</a:t>
-            </a:r>
-            <a:r>
-              <a:rPr lang="en-US" dirty="0" err="1"/>
-              <a:t>remote_name</a:t>
-            </a:r>
-            <a:r>
-              <a:rPr lang="en-US" dirty="0"/>
-              <a:t>&gt; &lt;</a:t>
-            </a:r>
-            <a:r>
-              <a:rPr lang="en-US" dirty="0" err="1"/>
-              <a:t>url</a:t>
-            </a:r>
-            <a:r>
-              <a:rPr lang="en-US" dirty="0"/>
-              <a:t>&gt;</a:t>
+              <a:t>Creating a branch in the first method makes that branch a tracking branch.</a:t>
             </a:r>
           </a:p>
         </p:txBody>
@@ -5281,7 +5278,7 @@
     </p:spTree>
     <p:extLst>
       <p:ext uri="{BB962C8B-B14F-4D97-AF65-F5344CB8AC3E}">
-        <p14:creationId xmlns:p14="http://schemas.microsoft.com/office/powerpoint/2010/main" val="149172104"/>
+        <p14:creationId xmlns:p14="http://schemas.microsoft.com/office/powerpoint/2010/main" val="3045227541"/>
       </p:ext>
     </p:extLst>
   </p:cSld>
@@ -5454,7 +5451,7 @@
           <p:cNvPr id="2" name="Title 1">
             <a:extLst>
               <a:ext uri="{FF2B5EF4-FFF2-40B4-BE49-F238E27FC236}">
-                <a16:creationId xmlns:a16="http://schemas.microsoft.com/office/drawing/2014/main" id="{D235AA31-1C0C-4484-A92B-8FD77E481FEA}"/>
+                <a16:creationId xmlns:a16="http://schemas.microsoft.com/office/drawing/2014/main" id="{7CC8A1B4-5AD8-4D9D-B726-61D8096C06B0}"/>
               </a:ext>
             </a:extLst>
           </p:cNvPr>
@@ -5472,7 +5469,7 @@
           <a:p>
             <a:r>
               <a:rPr lang="en-US" dirty="0"/>
-              <a:t>Merging Remote Branches</a:t>
+              <a:t>Local Tracking Branch</a:t>
             </a:r>
           </a:p>
         </p:txBody>
@@ -5482,7 +5479,7 @@
           <p:cNvPr id="3" name="Content Placeholder 2">
             <a:extLst>
               <a:ext uri="{FF2B5EF4-FFF2-40B4-BE49-F238E27FC236}">
-                <a16:creationId xmlns:a16="http://schemas.microsoft.com/office/drawing/2014/main" id="{4F016865-AA48-4D2D-BB54-5494C83D7C28}"/>
+                <a16:creationId xmlns:a16="http://schemas.microsoft.com/office/drawing/2014/main" id="{072BF4A4-26C6-41D1-BACF-A9543485E8E4}"/>
               </a:ext>
             </a:extLst>
           </p:cNvPr>
@@ -5500,29 +5497,30 @@
           <a:p>
             <a:r>
               <a:rPr lang="en-US" dirty="0"/>
-              <a:t>The commits on remote branches need to be moved to local branches before you can work with them easily on git.</a:t>
-            </a:r>
-          </a:p>
-          <a:p>
-            <a:pPr lvl="1"/>
-            <a:r>
-              <a:rPr lang="en-US" dirty="0"/>
-              <a:t>Create a local branch with the same commit history as the remote branch</a:t>
-            </a:r>
-          </a:p>
-          <a:p>
-            <a:pPr lvl="2"/>
-            <a:r>
-              <a:rPr lang="en-US" dirty="0"/>
-              <a:t>git checkout –b &lt;</a:t>
-            </a:r>
-            <a:r>
-              <a:rPr lang="en-US" dirty="0" err="1"/>
-              <a:t>local_branch</a:t>
-            </a:r>
-            <a:r>
-              <a:rPr lang="en-US" dirty="0"/>
-              <a:t>&gt; &lt;remote&gt;/&lt;</a:t>
+              <a:t>A tracking branch is connected to a remote branch. When using a tracking branch, the remote branch does not need to be specified for remote commands.</a:t>
+            </a:r>
+          </a:p>
+          <a:p>
+            <a:pPr lvl="1"/>
+            <a:r>
+              <a:rPr lang="en-US" dirty="0"/>
+              <a:t>Differences in commit history are also shown in git status.</a:t>
+            </a:r>
+          </a:p>
+          <a:p>
+            <a:endParaRPr lang="en-US" dirty="0"/>
+          </a:p>
+          <a:p>
+            <a:r>
+              <a:rPr lang="en-US" dirty="0"/>
+              <a:t>To set the current branch to track a remote branch, use the branch option</a:t>
+            </a:r>
+          </a:p>
+          <a:p>
+            <a:pPr lvl="1"/>
+            <a:r>
+              <a:rPr lang="en-US" dirty="0"/>
+              <a:t>git branch –u &lt;remote&gt;/&lt;</a:t>
             </a:r>
             <a:r>
               <a:rPr lang="en-US" dirty="0" err="1"/>
@@ -5531,46 +5529,6 @@
             <a:r>
               <a:rPr lang="en-US" dirty="0"/>
               <a:t>&gt;</a:t>
-            </a:r>
-          </a:p>
-          <a:p>
-            <a:pPr lvl="1"/>
-            <a:r>
-              <a:rPr lang="en-US" dirty="0"/>
-              <a:t>If there is already a local branch with common history, you can just merge the branches.</a:t>
-            </a:r>
-          </a:p>
-          <a:p>
-            <a:pPr lvl="2"/>
-            <a:r>
-              <a:rPr lang="en-US" dirty="0"/>
-              <a:t>git checkout &lt;</a:t>
-            </a:r>
-            <a:r>
-              <a:rPr lang="en-US" dirty="0" err="1"/>
-              <a:t>local_branch</a:t>
-            </a:r>
-            <a:r>
-              <a:rPr lang="en-US" dirty="0"/>
-              <a:t>&gt;; git merge &lt;remote&gt;/&lt;</a:t>
-            </a:r>
-            <a:r>
-              <a:rPr lang="en-US" dirty="0" err="1"/>
-              <a:t>remote_branch</a:t>
-            </a:r>
-            <a:r>
-              <a:rPr lang="en-US" dirty="0"/>
-              <a:t>&gt;;</a:t>
-            </a:r>
-          </a:p>
-          <a:p>
-            <a:pPr lvl="2"/>
-            <a:endParaRPr lang="en-US" dirty="0"/>
-          </a:p>
-          <a:p>
-            <a:r>
-              <a:rPr lang="en-US" dirty="0"/>
-              <a:t>Creating a branch in the first method makes that branch a tracking branch.</a:t>
             </a:r>
           </a:p>
         </p:txBody>
@@ -5578,7 +5536,7 @@
     </p:spTree>
     <p:extLst>
       <p:ext uri="{BB962C8B-B14F-4D97-AF65-F5344CB8AC3E}">
-        <p14:creationId xmlns:p14="http://schemas.microsoft.com/office/powerpoint/2010/main" val="3045227541"/>
+        <p14:creationId xmlns:p14="http://schemas.microsoft.com/office/powerpoint/2010/main" val="3005718073"/>
       </p:ext>
     </p:extLst>
   </p:cSld>
@@ -5610,7 +5568,7 @@
           <p:cNvPr id="2" name="Title 1">
             <a:extLst>
               <a:ext uri="{FF2B5EF4-FFF2-40B4-BE49-F238E27FC236}">
-                <a16:creationId xmlns:a16="http://schemas.microsoft.com/office/drawing/2014/main" id="{7CC8A1B4-5AD8-4D9D-B726-61D8096C06B0}"/>
+                <a16:creationId xmlns:a16="http://schemas.microsoft.com/office/drawing/2014/main" id="{D5CCCEAE-AA15-4A82-9467-B6E011480A8A}"/>
               </a:ext>
             </a:extLst>
           </p:cNvPr>
@@ -5628,7 +5586,7 @@
           <a:p>
             <a:r>
               <a:rPr lang="en-US" dirty="0"/>
-              <a:t>Local Tracking Branch</a:t>
+              <a:t>Pushing Branches</a:t>
             </a:r>
           </a:p>
         </p:txBody>
@@ -5638,7 +5596,7 @@
           <p:cNvPr id="3" name="Content Placeholder 2">
             <a:extLst>
               <a:ext uri="{FF2B5EF4-FFF2-40B4-BE49-F238E27FC236}">
-                <a16:creationId xmlns:a16="http://schemas.microsoft.com/office/drawing/2014/main" id="{072BF4A4-26C6-41D1-BACF-A9543485E8E4}"/>
+                <a16:creationId xmlns:a16="http://schemas.microsoft.com/office/drawing/2014/main" id="{8888002E-8D0E-4B1C-B0C7-E9541D406037}"/>
               </a:ext>
             </a:extLst>
           </p:cNvPr>
@@ -5656,23 +5614,30 @@
           <a:p>
             <a:r>
               <a:rPr lang="en-US" dirty="0"/>
-              <a:t>A tracking branch is connected to a remote branch. When using a tracking branch, the remote branch does not need to be specified for remote commands.</a:t>
-            </a:r>
-          </a:p>
-          <a:p>
-            <a:endParaRPr lang="en-US" dirty="0"/>
-          </a:p>
-          <a:p>
-            <a:r>
-              <a:rPr lang="en-US" dirty="0"/>
-              <a:t>If a branch is not created as a tracking branch, you can use an option when pushing to make it a tracking branch.</a:t>
-            </a:r>
-          </a:p>
-          <a:p>
-            <a:pPr lvl="1"/>
-            <a:r>
-              <a:rPr lang="en-US" dirty="0"/>
-              <a:t>git push --set-upstream &lt;remote&gt; &lt;</a:t>
+              <a:t>Adding new commits to the remote repository requires the push command.</a:t>
+            </a:r>
+          </a:p>
+          <a:p>
+            <a:pPr lvl="1"/>
+            <a:r>
+              <a:rPr lang="en-US" dirty="0"/>
+              <a:t>git push &lt;</a:t>
+            </a:r>
+            <a:r>
+              <a:rPr lang="en-US" dirty="0" err="1"/>
+              <a:t>remote_name</a:t>
+            </a:r>
+            <a:r>
+              <a:rPr lang="en-US" dirty="0"/>
+              <a:t>&gt; &lt;</a:t>
+            </a:r>
+            <a:r>
+              <a:rPr lang="en-US" dirty="0" err="1"/>
+              <a:t>local_branch</a:t>
+            </a:r>
+            <a:r>
+              <a:rPr lang="en-US" dirty="0"/>
+              <a:t>&gt;:&lt;</a:t>
             </a:r>
             <a:r>
               <a:rPr lang="en-US" dirty="0" err="1"/>
@@ -5682,13 +5647,55 @@
               <a:rPr lang="en-US" dirty="0"/>
               <a:t>&gt;</a:t>
             </a:r>
+          </a:p>
+          <a:p>
+            <a:pPr lvl="1"/>
+            <a:r>
+              <a:rPr lang="en-US" dirty="0"/>
+              <a:t>If branch names are the same, :&lt;</a:t>
+            </a:r>
+            <a:r>
+              <a:rPr lang="en-US" dirty="0" err="1"/>
+              <a:t>remote_branch</a:t>
+            </a:r>
+            <a:r>
+              <a:rPr lang="en-US" dirty="0"/>
+              <a:t>&gt; is not needed</a:t>
+            </a:r>
+          </a:p>
+          <a:p>
+            <a:pPr lvl="1"/>
+            <a:endParaRPr lang="en-US" dirty="0"/>
+          </a:p>
+          <a:p>
+            <a:r>
+              <a:rPr lang="en-US" dirty="0"/>
+              <a:t>Pushing to a remote branch is only allowed when your branch is ahead of the remote branch.</a:t>
+            </a:r>
+          </a:p>
+          <a:p>
+            <a:pPr lvl="1"/>
+            <a:r>
+              <a:rPr lang="en-US" dirty="0"/>
+              <a:t>If remote branch is ahead, add remote branches commits to local branch first.</a:t>
+            </a:r>
+          </a:p>
+          <a:p>
+            <a:pPr lvl="1"/>
+            <a:endParaRPr lang="en-US" dirty="0"/>
+          </a:p>
+          <a:p>
+            <a:pPr marL="0" indent="0">
+              <a:buNone/>
+            </a:pPr>
+            <a:endParaRPr lang="en-US" dirty="0"/>
           </a:p>
         </p:txBody>
       </p:sp>
     </p:spTree>
     <p:extLst>
       <p:ext uri="{BB962C8B-B14F-4D97-AF65-F5344CB8AC3E}">
-        <p14:creationId xmlns:p14="http://schemas.microsoft.com/office/powerpoint/2010/main" val="3005718073"/>
+        <p14:creationId xmlns:p14="http://schemas.microsoft.com/office/powerpoint/2010/main" val="4037131626"/>
       </p:ext>
     </p:extLst>
   </p:cSld>
